--- a/207 - Glorious Things are Sung of Zion.pptx
+++ b/207 - Glorious Things are Sung of Zion.pptx
@@ -114,10 +114,6 @@
 </p:presentation>
 </file>
 
-<file path=ppt/revisionInfo.xml><?xml version="1.0" encoding="utf-8"?>
-<p1510:revInfo xmlns:a="http://schemas.openxmlformats.org/drawingml/2006/main" xmlns:r="http://schemas.openxmlformats.org/officeDocument/2006/relationships" xmlns:p1510="http://schemas.microsoft.com/office/powerpoint/2015/10/main"/>
-</file>
-
 <file path=ppt/slideLayouts/slideLayout1.xml><?xml version="1.0" encoding="utf-8"?>
 <p:sldLayout xmlns:a="http://schemas.openxmlformats.org/drawingml/2006/main" xmlns:r="http://schemas.openxmlformats.org/officeDocument/2006/relationships" xmlns:p="http://schemas.openxmlformats.org/presentationml/2006/main" type="title" preserve="1">
   <p:cSld name="Title Slide">
@@ -247,7 +243,7 @@
           <a:p>
             <a:fld id="{32F7251A-AE54-443C-B8FE-5F636E835EBF}" type="datetimeFigureOut">
               <a:rPr lang="en-US" smtClean="0"/>
-              <a:t>10/8/2017</a:t>
+              <a:t>9/16/2018</a:t>
             </a:fld>
             <a:endParaRPr lang="en-US"/>
           </a:p>
@@ -415,7 +411,7 @@
           <a:p>
             <a:fld id="{32F7251A-AE54-443C-B8FE-5F636E835EBF}" type="datetimeFigureOut">
               <a:rPr lang="en-US" smtClean="0"/>
-              <a:t>10/8/2017</a:t>
+              <a:t>9/16/2018</a:t>
             </a:fld>
             <a:endParaRPr lang="en-US"/>
           </a:p>
@@ -593,7 +589,7 @@
           <a:p>
             <a:fld id="{32F7251A-AE54-443C-B8FE-5F636E835EBF}" type="datetimeFigureOut">
               <a:rPr lang="en-US" smtClean="0"/>
-              <a:t>10/8/2017</a:t>
+              <a:t>9/16/2018</a:t>
             </a:fld>
             <a:endParaRPr lang="en-US"/>
           </a:p>
@@ -761,7 +757,7 @@
           <a:p>
             <a:fld id="{32F7251A-AE54-443C-B8FE-5F636E835EBF}" type="datetimeFigureOut">
               <a:rPr lang="en-US" smtClean="0"/>
-              <a:t>10/8/2017</a:t>
+              <a:t>9/16/2018</a:t>
             </a:fld>
             <a:endParaRPr lang="en-US"/>
           </a:p>
@@ -1006,7 +1002,7 @@
           <a:p>
             <a:fld id="{32F7251A-AE54-443C-B8FE-5F636E835EBF}" type="datetimeFigureOut">
               <a:rPr lang="en-US" smtClean="0"/>
-              <a:t>10/8/2017</a:t>
+              <a:t>9/16/2018</a:t>
             </a:fld>
             <a:endParaRPr lang="en-US"/>
           </a:p>
@@ -1235,7 +1231,7 @@
           <a:p>
             <a:fld id="{32F7251A-AE54-443C-B8FE-5F636E835EBF}" type="datetimeFigureOut">
               <a:rPr lang="en-US" smtClean="0"/>
-              <a:t>10/8/2017</a:t>
+              <a:t>9/16/2018</a:t>
             </a:fld>
             <a:endParaRPr lang="en-US"/>
           </a:p>
@@ -1599,7 +1595,7 @@
           <a:p>
             <a:fld id="{32F7251A-AE54-443C-B8FE-5F636E835EBF}" type="datetimeFigureOut">
               <a:rPr lang="en-US" smtClean="0"/>
-              <a:t>10/8/2017</a:t>
+              <a:t>9/16/2018</a:t>
             </a:fld>
             <a:endParaRPr lang="en-US"/>
           </a:p>
@@ -1716,7 +1712,7 @@
           <a:p>
             <a:fld id="{32F7251A-AE54-443C-B8FE-5F636E835EBF}" type="datetimeFigureOut">
               <a:rPr lang="en-US" smtClean="0"/>
-              <a:t>10/8/2017</a:t>
+              <a:t>9/16/2018</a:t>
             </a:fld>
             <a:endParaRPr lang="en-US"/>
           </a:p>
@@ -1811,7 +1807,7 @@
           <a:p>
             <a:fld id="{32F7251A-AE54-443C-B8FE-5F636E835EBF}" type="datetimeFigureOut">
               <a:rPr lang="en-US" smtClean="0"/>
-              <a:t>10/8/2017</a:t>
+              <a:t>9/16/2018</a:t>
             </a:fld>
             <a:endParaRPr lang="en-US"/>
           </a:p>
@@ -2086,7 +2082,7 @@
           <a:p>
             <a:fld id="{32F7251A-AE54-443C-B8FE-5F636E835EBF}" type="datetimeFigureOut">
               <a:rPr lang="en-US" smtClean="0"/>
-              <a:t>10/8/2017</a:t>
+              <a:t>9/16/2018</a:t>
             </a:fld>
             <a:endParaRPr lang="en-US"/>
           </a:p>
@@ -2338,7 +2334,7 @@
           <a:p>
             <a:fld id="{32F7251A-AE54-443C-B8FE-5F636E835EBF}" type="datetimeFigureOut">
               <a:rPr lang="en-US" smtClean="0"/>
-              <a:t>10/8/2017</a:t>
+              <a:t>9/16/2018</a:t>
             </a:fld>
             <a:endParaRPr lang="en-US"/>
           </a:p>
@@ -2552,7 +2548,7 @@
           <a:p>
             <a:fld id="{32F7251A-AE54-443C-B8FE-5F636E835EBF}" type="datetimeFigureOut">
               <a:rPr lang="en-US" smtClean="0"/>
-              <a:t>10/8/2017</a:t>
+              <a:t>9/16/2018</a:t>
             </a:fld>
             <a:endParaRPr lang="en-US"/>
           </a:p>

--- a/207 - Glorious Things are Sung of Zion.pptx
+++ b/207 - Glorious Things are Sung of Zion.pptx
@@ -243,7 +243,7 @@
           <a:p>
             <a:fld id="{32F7251A-AE54-443C-B8FE-5F636E835EBF}" type="datetimeFigureOut">
               <a:rPr lang="en-US" smtClean="0"/>
-              <a:t>9/16/2018</a:t>
+              <a:t>8/9/2020</a:t>
             </a:fld>
             <a:endParaRPr lang="en-US"/>
           </a:p>
@@ -411,7 +411,7 @@
           <a:p>
             <a:fld id="{32F7251A-AE54-443C-B8FE-5F636E835EBF}" type="datetimeFigureOut">
               <a:rPr lang="en-US" smtClean="0"/>
-              <a:t>9/16/2018</a:t>
+              <a:t>8/9/2020</a:t>
             </a:fld>
             <a:endParaRPr lang="en-US"/>
           </a:p>
@@ -589,7 +589,7 @@
           <a:p>
             <a:fld id="{32F7251A-AE54-443C-B8FE-5F636E835EBF}" type="datetimeFigureOut">
               <a:rPr lang="en-US" smtClean="0"/>
-              <a:t>9/16/2018</a:t>
+              <a:t>8/9/2020</a:t>
             </a:fld>
             <a:endParaRPr lang="en-US"/>
           </a:p>
@@ -757,7 +757,7 @@
           <a:p>
             <a:fld id="{32F7251A-AE54-443C-B8FE-5F636E835EBF}" type="datetimeFigureOut">
               <a:rPr lang="en-US" smtClean="0"/>
-              <a:t>9/16/2018</a:t>
+              <a:t>8/9/2020</a:t>
             </a:fld>
             <a:endParaRPr lang="en-US"/>
           </a:p>
@@ -1002,7 +1002,7 @@
           <a:p>
             <a:fld id="{32F7251A-AE54-443C-B8FE-5F636E835EBF}" type="datetimeFigureOut">
               <a:rPr lang="en-US" smtClean="0"/>
-              <a:t>9/16/2018</a:t>
+              <a:t>8/9/2020</a:t>
             </a:fld>
             <a:endParaRPr lang="en-US"/>
           </a:p>
@@ -1231,7 +1231,7 @@
           <a:p>
             <a:fld id="{32F7251A-AE54-443C-B8FE-5F636E835EBF}" type="datetimeFigureOut">
               <a:rPr lang="en-US" smtClean="0"/>
-              <a:t>9/16/2018</a:t>
+              <a:t>8/9/2020</a:t>
             </a:fld>
             <a:endParaRPr lang="en-US"/>
           </a:p>
@@ -1595,7 +1595,7 @@
           <a:p>
             <a:fld id="{32F7251A-AE54-443C-B8FE-5F636E835EBF}" type="datetimeFigureOut">
               <a:rPr lang="en-US" smtClean="0"/>
-              <a:t>9/16/2018</a:t>
+              <a:t>8/9/2020</a:t>
             </a:fld>
             <a:endParaRPr lang="en-US"/>
           </a:p>
@@ -1712,7 +1712,7 @@
           <a:p>
             <a:fld id="{32F7251A-AE54-443C-B8FE-5F636E835EBF}" type="datetimeFigureOut">
               <a:rPr lang="en-US" smtClean="0"/>
-              <a:t>9/16/2018</a:t>
+              <a:t>8/9/2020</a:t>
             </a:fld>
             <a:endParaRPr lang="en-US"/>
           </a:p>
@@ -1807,7 +1807,7 @@
           <a:p>
             <a:fld id="{32F7251A-AE54-443C-B8FE-5F636E835EBF}" type="datetimeFigureOut">
               <a:rPr lang="en-US" smtClean="0"/>
-              <a:t>9/16/2018</a:t>
+              <a:t>8/9/2020</a:t>
             </a:fld>
             <a:endParaRPr lang="en-US"/>
           </a:p>
@@ -2082,7 +2082,7 @@
           <a:p>
             <a:fld id="{32F7251A-AE54-443C-B8FE-5F636E835EBF}" type="datetimeFigureOut">
               <a:rPr lang="en-US" smtClean="0"/>
-              <a:t>9/16/2018</a:t>
+              <a:t>8/9/2020</a:t>
             </a:fld>
             <a:endParaRPr lang="en-US"/>
           </a:p>
@@ -2334,7 +2334,7 @@
           <a:p>
             <a:fld id="{32F7251A-AE54-443C-B8FE-5F636E835EBF}" type="datetimeFigureOut">
               <a:rPr lang="en-US" smtClean="0"/>
-              <a:t>9/16/2018</a:t>
+              <a:t>8/9/2020</a:t>
             </a:fld>
             <a:endParaRPr lang="en-US"/>
           </a:p>
@@ -2401,7 +2401,9 @@
     <p:bg>
       <p:bgPr>
         <a:solidFill>
-          <a:srgbClr val="333333"/>
+          <a:schemeClr val="bg1">
+            <a:lumMod val="10000"/>
+          </a:schemeClr>
         </a:solidFill>
         <a:effectLst/>
       </p:bgPr>
@@ -2548,7 +2550,7 @@
           <a:p>
             <a:fld id="{32F7251A-AE54-443C-B8FE-5F636E835EBF}" type="datetimeFigureOut">
               <a:rPr lang="en-US" smtClean="0"/>
-              <a:t>9/16/2018</a:t>
+              <a:t>8/9/2020</a:t>
             </a:fld>
             <a:endParaRPr lang="en-US"/>
           </a:p>
@@ -3018,8 +3020,8 @@
         </p:nvSpPr>
         <p:spPr>
           <a:xfrm>
-            <a:off x="0" y="5804209"/>
-            <a:ext cx="12192000" cy="830997"/>
+            <a:off x="0" y="5927320"/>
+            <a:ext cx="12192000" cy="584775"/>
           </a:xfrm>
           <a:prstGeom prst="rect">
             <a:avLst/>
@@ -3034,10 +3036,12 @@
           <a:p>
             <a:pPr algn="ctr"/>
             <a:r>
-              <a:rPr lang="en-US" sz="4800" dirty="0">
+              <a:rPr lang="en-US" sz="3200" u="sng" dirty="0">
                 <a:solidFill>
                   <a:schemeClr val="bg1"/>
                 </a:solidFill>
+                <a:latin typeface="Assistant SemiBold" panose="00000700000000000000" pitchFamily="2" charset="-79"/>
+                <a:cs typeface="Assistant SemiBold" panose="00000700000000000000" pitchFamily="2" charset="-79"/>
               </a:rPr>
               <a:t>“Glorious Things are Sung of Zion”</a:t>
             </a:r>
@@ -3052,8 +3056,8 @@
         </p:nvSpPr>
         <p:spPr>
           <a:xfrm>
-            <a:off x="0" y="297622"/>
-            <a:ext cx="12192000" cy="5078313"/>
+            <a:off x="0" y="734053"/>
+            <a:ext cx="12192000" cy="3970318"/>
           </a:xfrm>
           <a:prstGeom prst="rect">
             <a:avLst/>
@@ -3068,10 +3072,12 @@
           <a:p>
             <a:pPr algn="ctr"/>
             <a:r>
-              <a:rPr lang="en-US" sz="3600" dirty="0">
+              <a:rPr lang="en-US" sz="2800" spc="50" dirty="0">
                 <a:solidFill>
                   <a:schemeClr val="bg1"/>
                 </a:solidFill>
+                <a:latin typeface="Assistant" panose="00000500000000000000" pitchFamily="2" charset="-79"/>
+                <a:cs typeface="Assistant" panose="00000500000000000000" pitchFamily="2" charset="-79"/>
               </a:rPr>
               <a:t>Glorious things are sun of Zion,</a:t>
             </a:r>
@@ -3079,10 +3085,12 @@
           <a:p>
             <a:pPr algn="ctr"/>
             <a:r>
-              <a:rPr lang="en-US" sz="3600" dirty="0">
+              <a:rPr lang="en-US" sz="2800" spc="50" dirty="0">
                 <a:solidFill>
                   <a:schemeClr val="bg1"/>
                 </a:solidFill>
+                <a:latin typeface="Assistant" panose="00000500000000000000" pitchFamily="2" charset="-79"/>
+                <a:cs typeface="Assistant" panose="00000500000000000000" pitchFamily="2" charset="-79"/>
               </a:rPr>
               <a:t>Enoch’s city seen of old,</a:t>
             </a:r>
@@ -3090,10 +3098,12 @@
           <a:p>
             <a:pPr algn="ctr"/>
             <a:r>
-              <a:rPr lang="en-US" sz="3600" dirty="0">
+              <a:rPr lang="en-US" sz="2800" spc="50" dirty="0">
                 <a:solidFill>
                   <a:schemeClr val="bg1"/>
                 </a:solidFill>
+                <a:latin typeface="Assistant" panose="00000500000000000000" pitchFamily="2" charset="-79"/>
+                <a:cs typeface="Assistant" panose="00000500000000000000" pitchFamily="2" charset="-79"/>
               </a:rPr>
               <a:t>Where the righteous, being perfect,</a:t>
             </a:r>
@@ -3101,29 +3111,35 @@
           <a:p>
             <a:pPr algn="ctr"/>
             <a:r>
-              <a:rPr lang="en-US" sz="3600" dirty="0">
+              <a:rPr lang="en-US" sz="2800" spc="50" dirty="0">
                 <a:solidFill>
                   <a:schemeClr val="bg1"/>
                 </a:solidFill>
+                <a:latin typeface="Assistant" panose="00000500000000000000" pitchFamily="2" charset="-79"/>
+                <a:cs typeface="Assistant" panose="00000500000000000000" pitchFamily="2" charset="-79"/>
               </a:rPr>
               <a:t>Walked with God in streets of gold;</a:t>
             </a:r>
           </a:p>
           <a:p>
             <a:pPr algn="ctr"/>
-            <a:endParaRPr lang="en-US" sz="3600" dirty="0">
+            <a:endParaRPr lang="en-US" sz="2800" spc="50" dirty="0">
               <a:solidFill>
                 <a:schemeClr val="bg1"/>
               </a:solidFill>
+              <a:latin typeface="Assistant" panose="00000500000000000000" pitchFamily="2" charset="-79"/>
+              <a:cs typeface="Assistant" panose="00000500000000000000" pitchFamily="2" charset="-79"/>
             </a:endParaRPr>
           </a:p>
           <a:p>
             <a:pPr algn="ctr"/>
             <a:r>
-              <a:rPr lang="en-US" sz="3600" dirty="0">
+              <a:rPr lang="en-US" sz="2800" spc="50" dirty="0">
                 <a:solidFill>
                   <a:schemeClr val="bg1"/>
                 </a:solidFill>
+                <a:latin typeface="Assistant" panose="00000500000000000000" pitchFamily="2" charset="-79"/>
+                <a:cs typeface="Assistant" panose="00000500000000000000" pitchFamily="2" charset="-79"/>
               </a:rPr>
               <a:t>Love and virtue, faith and wisdom,</a:t>
             </a:r>
@@ -3131,10 +3147,12 @@
           <a:p>
             <a:pPr algn="ctr"/>
             <a:r>
-              <a:rPr lang="en-US" sz="3600" dirty="0">
+              <a:rPr lang="en-US" sz="2800" spc="50" dirty="0">
                 <a:solidFill>
                   <a:schemeClr val="bg1"/>
                 </a:solidFill>
+                <a:latin typeface="Assistant" panose="00000500000000000000" pitchFamily="2" charset="-79"/>
+                <a:cs typeface="Assistant" panose="00000500000000000000" pitchFamily="2" charset="-79"/>
               </a:rPr>
               <a:t>Grace and gifts were all combined;</a:t>
             </a:r>
@@ -3142,10 +3160,12 @@
           <a:p>
             <a:pPr algn="ctr"/>
             <a:r>
-              <a:rPr lang="en-US" sz="3600" dirty="0">
+              <a:rPr lang="en-US" sz="2800" spc="50" dirty="0">
                 <a:solidFill>
                   <a:schemeClr val="bg1"/>
                 </a:solidFill>
+                <a:latin typeface="Assistant" panose="00000500000000000000" pitchFamily="2" charset="-79"/>
+                <a:cs typeface="Assistant" panose="00000500000000000000" pitchFamily="2" charset="-79"/>
               </a:rPr>
               <a:t>As himself each loved his neighbor,</a:t>
             </a:r>
@@ -3153,10 +3173,12 @@
           <a:p>
             <a:pPr algn="ctr"/>
             <a:r>
-              <a:rPr lang="en-US" sz="3600" dirty="0">
+              <a:rPr lang="en-US" sz="2800" spc="50" dirty="0">
                 <a:solidFill>
                   <a:schemeClr val="bg1"/>
                 </a:solidFill>
+                <a:latin typeface="Assistant" panose="00000500000000000000" pitchFamily="2" charset="-79"/>
+                <a:cs typeface="Assistant" panose="00000500000000000000" pitchFamily="2" charset="-79"/>
               </a:rPr>
               <a:t>All were of one heart and mind.</a:t>
             </a:r>
@@ -3258,8 +3280,8 @@
         </p:nvSpPr>
         <p:spPr>
           <a:xfrm>
-            <a:off x="0" y="5804209"/>
-            <a:ext cx="12192000" cy="830997"/>
+            <a:off x="0" y="5927320"/>
+            <a:ext cx="12192000" cy="584775"/>
           </a:xfrm>
           <a:prstGeom prst="rect">
             <a:avLst/>
@@ -3274,10 +3296,12 @@
           <a:p>
             <a:pPr algn="ctr"/>
             <a:r>
-              <a:rPr lang="en-US" sz="4800" dirty="0">
+              <a:rPr lang="en-US" sz="3200" u="sng" dirty="0">
                 <a:solidFill>
                   <a:schemeClr val="bg1"/>
                 </a:solidFill>
+                <a:latin typeface="Assistant SemiBold" panose="00000700000000000000" pitchFamily="2" charset="-79"/>
+                <a:cs typeface="Assistant SemiBold" panose="00000700000000000000" pitchFamily="2" charset="-79"/>
               </a:rPr>
               <a:t>“Glorious Things are Sung of Zion”</a:t>
             </a:r>
@@ -3292,8 +3316,8 @@
         </p:nvSpPr>
         <p:spPr>
           <a:xfrm>
-            <a:off x="0" y="297622"/>
-            <a:ext cx="12192000" cy="5078313"/>
+            <a:off x="0" y="729571"/>
+            <a:ext cx="12192000" cy="3970318"/>
           </a:xfrm>
           <a:prstGeom prst="rect">
             <a:avLst/>
@@ -3308,10 +3332,12 @@
           <a:p>
             <a:pPr algn="ctr"/>
             <a:r>
-              <a:rPr lang="en-US" sz="3600" dirty="0">
+              <a:rPr lang="en-US" sz="2800" spc="50" dirty="0">
                 <a:solidFill>
                   <a:schemeClr val="bg1"/>
                 </a:solidFill>
+                <a:latin typeface="Assistant" panose="00000500000000000000" pitchFamily="2" charset="-79"/>
+                <a:cs typeface="Assistant" panose="00000500000000000000" pitchFamily="2" charset="-79"/>
               </a:rPr>
               <a:t>Then the towers of Zion glittered</a:t>
             </a:r>
@@ -3319,10 +3345,12 @@
           <a:p>
             <a:pPr algn="ctr"/>
             <a:r>
-              <a:rPr lang="en-US" sz="3600" dirty="0">
+              <a:rPr lang="en-US" sz="2800" spc="50" dirty="0">
                 <a:solidFill>
                   <a:schemeClr val="bg1"/>
                 </a:solidFill>
+                <a:latin typeface="Assistant" panose="00000500000000000000" pitchFamily="2" charset="-79"/>
+                <a:cs typeface="Assistant" panose="00000500000000000000" pitchFamily="2" charset="-79"/>
               </a:rPr>
               <a:t>Like the sun in yonder sky,</a:t>
             </a:r>
@@ -3330,10 +3358,12 @@
           <a:p>
             <a:pPr algn="ctr"/>
             <a:r>
-              <a:rPr lang="en-US" sz="3600" dirty="0">
+              <a:rPr lang="en-US" sz="2800" spc="50" dirty="0">
                 <a:solidFill>
                   <a:schemeClr val="bg1"/>
                 </a:solidFill>
+                <a:latin typeface="Assistant" panose="00000500000000000000" pitchFamily="2" charset="-79"/>
+                <a:cs typeface="Assistant" panose="00000500000000000000" pitchFamily="2" charset="-79"/>
               </a:rPr>
               <a:t>And the wicked stood and trembled,</a:t>
             </a:r>
@@ -3341,29 +3371,35 @@
           <a:p>
             <a:pPr algn="ctr"/>
             <a:r>
-              <a:rPr lang="en-US" sz="3600" dirty="0">
+              <a:rPr lang="en-US" sz="2800" spc="50" dirty="0">
                 <a:solidFill>
                   <a:schemeClr val="bg1"/>
                 </a:solidFill>
+                <a:latin typeface="Assistant" panose="00000500000000000000" pitchFamily="2" charset="-79"/>
+                <a:cs typeface="Assistant" panose="00000500000000000000" pitchFamily="2" charset="-79"/>
               </a:rPr>
               <a:t>Filled with wonder and surprise.</a:t>
             </a:r>
           </a:p>
           <a:p>
             <a:pPr algn="ctr"/>
-            <a:endParaRPr lang="en-US" sz="3600" dirty="0">
+            <a:endParaRPr lang="en-US" sz="2800" spc="50" dirty="0">
               <a:solidFill>
                 <a:schemeClr val="bg1"/>
               </a:solidFill>
+              <a:latin typeface="Assistant" panose="00000500000000000000" pitchFamily="2" charset="-79"/>
+              <a:cs typeface="Assistant" panose="00000500000000000000" pitchFamily="2" charset="-79"/>
             </a:endParaRPr>
           </a:p>
           <a:p>
             <a:pPr algn="ctr"/>
             <a:r>
-              <a:rPr lang="en-US" sz="3600" dirty="0">
+              <a:rPr lang="en-US" sz="2800" spc="50" dirty="0">
                 <a:solidFill>
                   <a:schemeClr val="bg1"/>
                 </a:solidFill>
+                <a:latin typeface="Assistant" panose="00000500000000000000" pitchFamily="2" charset="-79"/>
+                <a:cs typeface="Assistant" panose="00000500000000000000" pitchFamily="2" charset="-79"/>
               </a:rPr>
               <a:t>Then their faith and works were perfect;</a:t>
             </a:r>
@@ -3371,10 +3407,12 @@
           <a:p>
             <a:pPr algn="ctr"/>
             <a:r>
-              <a:rPr lang="en-US" sz="3600" dirty="0">
+              <a:rPr lang="en-US" sz="2800" spc="50" dirty="0">
                 <a:solidFill>
                   <a:schemeClr val="bg1"/>
                 </a:solidFill>
+                <a:latin typeface="Assistant" panose="00000500000000000000" pitchFamily="2" charset="-79"/>
+                <a:cs typeface="Assistant" panose="00000500000000000000" pitchFamily="2" charset="-79"/>
               </a:rPr>
               <a:t>Lo, they followed their great head!</a:t>
             </a:r>
@@ -3382,10 +3420,12 @@
           <a:p>
             <a:pPr algn="ctr"/>
             <a:r>
-              <a:rPr lang="en-US" sz="3600" dirty="0">
+              <a:rPr lang="en-US" sz="2800" spc="50" dirty="0">
                 <a:solidFill>
                   <a:schemeClr val="bg1"/>
                 </a:solidFill>
+                <a:latin typeface="Assistant" panose="00000500000000000000" pitchFamily="2" charset="-79"/>
+                <a:cs typeface="Assistant" panose="00000500000000000000" pitchFamily="2" charset="-79"/>
               </a:rPr>
               <a:t>So the city went to heaven,</a:t>
             </a:r>
@@ -3393,10 +3433,12 @@
           <a:p>
             <a:pPr algn="ctr"/>
             <a:r>
-              <a:rPr lang="en-US" sz="3600" dirty="0">
+              <a:rPr lang="en-US" sz="2800" spc="50" dirty="0">
                 <a:solidFill>
                   <a:schemeClr val="bg1"/>
                 </a:solidFill>
+                <a:latin typeface="Assistant" panose="00000500000000000000" pitchFamily="2" charset="-79"/>
+                <a:cs typeface="Assistant" panose="00000500000000000000" pitchFamily="2" charset="-79"/>
               </a:rPr>
               <a:t>And the world said, “Zion’s fled!”</a:t>
             </a:r>
@@ -3498,8 +3540,8 @@
         </p:nvSpPr>
         <p:spPr>
           <a:xfrm>
-            <a:off x="0" y="5804209"/>
-            <a:ext cx="12192000" cy="830997"/>
+            <a:off x="0" y="5927320"/>
+            <a:ext cx="12192000" cy="584775"/>
           </a:xfrm>
           <a:prstGeom prst="rect">
             <a:avLst/>
@@ -3514,10 +3556,12 @@
           <a:p>
             <a:pPr algn="ctr"/>
             <a:r>
-              <a:rPr lang="en-US" sz="4800" dirty="0">
+              <a:rPr lang="en-US" sz="3200" u="sng" dirty="0">
                 <a:solidFill>
                   <a:schemeClr val="bg1"/>
                 </a:solidFill>
+                <a:latin typeface="Assistant SemiBold" panose="00000700000000000000" pitchFamily="2" charset="-79"/>
+                <a:cs typeface="Assistant SemiBold" panose="00000700000000000000" pitchFamily="2" charset="-79"/>
               </a:rPr>
               <a:t>“Glorious Things are Sung of Zion”</a:t>
             </a:r>
@@ -3532,8 +3576,8 @@
         </p:nvSpPr>
         <p:spPr>
           <a:xfrm>
-            <a:off x="0" y="297622"/>
-            <a:ext cx="12192000" cy="5078313"/>
+            <a:off x="0" y="729571"/>
+            <a:ext cx="12192000" cy="3970318"/>
           </a:xfrm>
           <a:prstGeom prst="rect">
             <a:avLst/>
@@ -3548,10 +3592,12 @@
           <a:p>
             <a:pPr algn="ctr"/>
             <a:r>
-              <a:rPr lang="en-US" sz="3600" dirty="0">
+              <a:rPr lang="en-US" sz="2800" spc="50" dirty="0">
                 <a:solidFill>
                   <a:schemeClr val="bg1"/>
                 </a:solidFill>
+                <a:latin typeface="Assistant" panose="00000500000000000000" pitchFamily="2" charset="-79"/>
+                <a:cs typeface="Assistant" panose="00000500000000000000" pitchFamily="2" charset="-79"/>
               </a:rPr>
               <a:t>When the Lord returns with Zion,</a:t>
             </a:r>
@@ -3559,10 +3605,12 @@
           <a:p>
             <a:pPr algn="ctr"/>
             <a:r>
-              <a:rPr lang="en-US" sz="3600" dirty="0">
+              <a:rPr lang="en-US" sz="2800" spc="50" dirty="0">
                 <a:solidFill>
                   <a:schemeClr val="bg1"/>
                 </a:solidFill>
+                <a:latin typeface="Assistant" panose="00000500000000000000" pitchFamily="2" charset="-79"/>
+                <a:cs typeface="Assistant" panose="00000500000000000000" pitchFamily="2" charset="-79"/>
               </a:rPr>
               <a:t>And they hear the watchman cry,</a:t>
             </a:r>
@@ -3570,10 +3618,12 @@
           <a:p>
             <a:pPr algn="ctr"/>
             <a:r>
-              <a:rPr lang="en-US" sz="3600" dirty="0">
+              <a:rPr lang="en-US" sz="2800" spc="50" dirty="0">
                 <a:solidFill>
                   <a:schemeClr val="bg1"/>
                 </a:solidFill>
+                <a:latin typeface="Assistant" panose="00000500000000000000" pitchFamily="2" charset="-79"/>
+                <a:cs typeface="Assistant" panose="00000500000000000000" pitchFamily="2" charset="-79"/>
               </a:rPr>
               <a:t>Then the saints will be united,</a:t>
             </a:r>
@@ -3581,29 +3631,35 @@
           <a:p>
             <a:pPr algn="ctr"/>
             <a:r>
-              <a:rPr lang="en-US" sz="3600" dirty="0">
+              <a:rPr lang="en-US" sz="2800" spc="50" dirty="0">
                 <a:solidFill>
                   <a:schemeClr val="bg1"/>
                 </a:solidFill>
+                <a:latin typeface="Assistant" panose="00000500000000000000" pitchFamily="2" charset="-79"/>
+                <a:cs typeface="Assistant" panose="00000500000000000000" pitchFamily="2" charset="-79"/>
               </a:rPr>
               <a:t>And they’ll all see eye to eye;</a:t>
             </a:r>
           </a:p>
           <a:p>
             <a:pPr algn="ctr"/>
-            <a:endParaRPr lang="en-US" sz="3600" dirty="0">
+            <a:endParaRPr lang="en-US" sz="2800" spc="50" dirty="0">
               <a:solidFill>
                 <a:schemeClr val="bg1"/>
               </a:solidFill>
+              <a:latin typeface="Assistant" panose="00000500000000000000" pitchFamily="2" charset="-79"/>
+              <a:cs typeface="Assistant" panose="00000500000000000000" pitchFamily="2" charset="-79"/>
             </a:endParaRPr>
           </a:p>
           <a:p>
             <a:pPr algn="ctr"/>
             <a:r>
-              <a:rPr lang="en-US" sz="3600" dirty="0">
+              <a:rPr lang="en-US" sz="2800" spc="50" dirty="0">
                 <a:solidFill>
                   <a:schemeClr val="bg1"/>
                 </a:solidFill>
+                <a:latin typeface="Assistant" panose="00000500000000000000" pitchFamily="2" charset="-79"/>
+                <a:cs typeface="Assistant" panose="00000500000000000000" pitchFamily="2" charset="-79"/>
               </a:rPr>
               <a:t>Then they’ll mingle with the angels,</a:t>
             </a:r>
@@ -3611,10 +3667,12 @@
           <a:p>
             <a:pPr algn="ctr"/>
             <a:r>
-              <a:rPr lang="en-US" sz="3600" dirty="0">
+              <a:rPr lang="en-US" sz="2800" spc="50" dirty="0">
                 <a:solidFill>
                   <a:schemeClr val="bg1"/>
                 </a:solidFill>
+                <a:latin typeface="Assistant" panose="00000500000000000000" pitchFamily="2" charset="-79"/>
+                <a:cs typeface="Assistant" panose="00000500000000000000" pitchFamily="2" charset="-79"/>
               </a:rPr>
               <a:t>And the Lord will bless His own;</a:t>
             </a:r>
@@ -3622,10 +3680,12 @@
           <a:p>
             <a:pPr algn="ctr"/>
             <a:r>
-              <a:rPr lang="en-US" sz="3600" dirty="0">
+              <a:rPr lang="en-US" sz="2800" spc="50" dirty="0">
                 <a:solidFill>
                   <a:schemeClr val="bg1"/>
                 </a:solidFill>
+                <a:latin typeface="Assistant" panose="00000500000000000000" pitchFamily="2" charset="-79"/>
+                <a:cs typeface="Assistant" panose="00000500000000000000" pitchFamily="2" charset="-79"/>
               </a:rPr>
               <a:t>Then the Earth will be as heaven—</a:t>
             </a:r>
@@ -3633,10 +3693,12 @@
           <a:p>
             <a:pPr algn="ctr"/>
             <a:r>
-              <a:rPr lang="en-US" sz="3600" dirty="0">
+              <a:rPr lang="en-US" sz="2800" spc="50" dirty="0">
                 <a:solidFill>
                   <a:schemeClr val="bg1"/>
                 </a:solidFill>
+                <a:latin typeface="Assistant" panose="00000500000000000000" pitchFamily="2" charset="-79"/>
+                <a:cs typeface="Assistant" panose="00000500000000000000" pitchFamily="2" charset="-79"/>
               </a:rPr>
               <a:t>They shall know as they are known.</a:t>
             </a:r>
